--- a/BAND SQL Project Submission.pptx
+++ b/BAND SQL Project Submission.pptx
@@ -3459,7 +3459,9 @@
           <c:spPr>
             <a:ln w="28575" cap="rnd">
               <a:solidFill>
-                <a:schemeClr val="accent4"/>
+                <a:schemeClr val="tx2">
+                  <a:lumMod val="75000"/>
+                </a:schemeClr>
               </a:solidFill>
               <a:round/>
             </a:ln>
@@ -3905,9 +3907,7 @@
           <c:spPr>
             <a:ln w="28575" cap="rnd">
               <a:solidFill>
-                <a:schemeClr val="accent2">
-                  <a:lumMod val="60000"/>
-                </a:schemeClr>
+                <a:srgbClr val="7030A0"/>
               </a:solidFill>
               <a:round/>
             </a:ln>
@@ -9531,7 +9531,7 @@
           <a:graphicData uri="http://schemas.openxmlformats.org/presentationml/2006/ole">
             <mc:AlternateContent xmlns:mc="http://schemas.openxmlformats.org/markup-compatibility/2006">
               <mc:Choice xmlns:v="urn:schemas-microsoft-com:vml" Requires="v">
-                <p:oleObj spid="_x0000_s2065" name="think-cell Slide" r:id="rId15" imgW="473" imgH="476" progId="TCLayout.ActiveDocument.1">
+                <p:oleObj spid="_x0000_s2073" name="think-cell Slide" r:id="rId15" imgW="473" imgH="476" progId="TCLayout.ActiveDocument.1">
                   <p:embed/>
                 </p:oleObj>
               </mc:Choice>
@@ -10485,7 +10485,7 @@
           <a:graphicData uri="http://schemas.openxmlformats.org/presentationml/2006/ole">
             <mc:AlternateContent xmlns:mc="http://schemas.openxmlformats.org/markup-compatibility/2006">
               <mc:Choice xmlns:v="urn:schemas-microsoft-com:vml" Requires="v">
-                <p:oleObj spid="_x0000_s10250" name="think-cell Slide" r:id="rId5" imgW="473" imgH="476" progId="TCLayout.ActiveDocument.1">
+                <p:oleObj spid="_x0000_s10258" name="think-cell Slide" r:id="rId5" imgW="473" imgH="476" progId="TCLayout.ActiveDocument.1">
                   <p:embed/>
                 </p:oleObj>
               </mc:Choice>
@@ -10835,7 +10835,7 @@
           <a:graphicData uri="http://schemas.openxmlformats.org/presentationml/2006/ole">
             <mc:AlternateContent xmlns:mc="http://schemas.openxmlformats.org/markup-compatibility/2006">
               <mc:Choice xmlns:v="urn:schemas-microsoft-com:vml" Requires="v">
-                <p:oleObj spid="_x0000_s14341" name="think-cell Slide" r:id="rId5" imgW="473" imgH="476" progId="TCLayout.ActiveDocument.1">
+                <p:oleObj spid="_x0000_s14349" name="think-cell Slide" r:id="rId5" imgW="473" imgH="476" progId="TCLayout.ActiveDocument.1">
                   <p:embed/>
                 </p:oleObj>
               </mc:Choice>
@@ -11158,7 +11158,7 @@
           <a:graphicData uri="http://schemas.openxmlformats.org/presentationml/2006/ole">
             <mc:AlternateContent xmlns:mc="http://schemas.openxmlformats.org/markup-compatibility/2006">
               <mc:Choice xmlns:v="urn:schemas-microsoft-com:vml" Requires="v">
-                <p:oleObj spid="_x0000_s11272" name="think-cell Slide" r:id="rId5" imgW="473" imgH="476" progId="TCLayout.ActiveDocument.1">
+                <p:oleObj spid="_x0000_s11280" name="think-cell Slide" r:id="rId5" imgW="473" imgH="476" progId="TCLayout.ActiveDocument.1">
                   <p:embed/>
                 </p:oleObj>
               </mc:Choice>
@@ -11504,7 +11504,7 @@
           <a:graphicData uri="http://schemas.openxmlformats.org/presentationml/2006/ole">
             <mc:AlternateContent xmlns:mc="http://schemas.openxmlformats.org/markup-compatibility/2006">
               <mc:Choice xmlns:v="urn:schemas-microsoft-com:vml" Requires="v">
-                <p:oleObj spid="_x0000_s6162" name="think-cell Slide" r:id="rId5" imgW="473" imgH="476" progId="TCLayout.ActiveDocument.1">
+                <p:oleObj spid="_x0000_s6170" name="think-cell Slide" r:id="rId5" imgW="473" imgH="476" progId="TCLayout.ActiveDocument.1">
                   <p:embed/>
                 </p:oleObj>
               </mc:Choice>
@@ -11843,7 +11843,7 @@
           <p:nvPr>
             <p:extLst>
               <p:ext uri="{D42A27DB-BD31-4B8C-83A1-F6EECF244321}">
-                <p14:modId xmlns:p14="http://schemas.microsoft.com/office/powerpoint/2010/main" val="2341346931"/>
+                <p14:modId xmlns:p14="http://schemas.microsoft.com/office/powerpoint/2010/main" val="2460421322"/>
               </p:ext>
             </p:extLst>
           </p:nvPr>
